--- a/StrategyLearner - CS7646 Machine Learning for Trading.pptx
+++ b/StrategyLearner - CS7646 Machine Learning for Trading.pptx
@@ -8,7 +8,12 @@
   <p:sldIdLst>
     <p:sldId id="256" r:id="rId3"/>
     <p:sldId id="257" r:id="rId4"/>
-    <p:sldId id="259" r:id="rId5"/>
+    <p:sldId id="261" r:id="rId5"/>
+    <p:sldId id="263" r:id="rId6"/>
+    <p:sldId id="259" r:id="rId7"/>
+    <p:sldId id="260" r:id="rId8"/>
+    <p:sldId id="262" r:id="rId9"/>
+    <p:sldId id="264" r:id="rId10"/>
   </p:sldIdLst>
   <p:sldSz cx="9144000" cy="6858000" type="screen4x3"/>
   <p:notesSz cx="6858000" cy="9144000"/>
@@ -3984,14 +3989,19 @@
             <p:ph type="title"/>
           </p:nvPr>
         </p:nvSpPr>
-        <p:spPr/>
+        <p:spPr>
+          <a:xfrm>
+            <a:off x="395536" y="16778"/>
+            <a:ext cx="8748464" cy="1069514"/>
+          </a:xfrm>
+        </p:spPr>
         <p:txBody>
           <a:bodyPr/>
           <a:lstStyle/>
           <a:p>
             <a:r>
               <a:rPr lang="en-US" altLang="ko-KR" dirty="0"/>
-              <a:t> Click to add title</a:t>
+              <a:t>Overview</a:t>
             </a:r>
             <a:endParaRPr lang="ko-KR" altLang="en-US" dirty="0"/>
           </a:p>
@@ -3999,67 +4009,46 @@
       </p:sp>
       <p:sp>
         <p:nvSpPr>
-          <p:cNvPr id="6" name="Content Placeholder 5"/>
-          <p:cNvSpPr>
-            <a:spLocks noGrp="1"/>
-          </p:cNvSpPr>
-          <p:nvPr>
-            <p:ph idx="1"/>
-          </p:nvPr>
-        </p:nvSpPr>
-        <p:spPr/>
+          <p:cNvPr id="7" name="Content Placeholder 6"/>
+          <p:cNvSpPr>
+            <a:spLocks noGrp="1"/>
+          </p:cNvSpPr>
+          <p:nvPr>
+            <p:ph idx="10"/>
+          </p:nvPr>
+        </p:nvSpPr>
+        <p:spPr>
+          <a:xfrm>
+            <a:off x="467544" y="1412776"/>
+            <a:ext cx="8229600" cy="4464496"/>
+          </a:xfrm>
+        </p:spPr>
         <p:txBody>
           <a:bodyPr/>
           <a:lstStyle/>
           <a:p>
             <a:r>
-              <a:rPr lang="en-US" b="1" dirty="0"/>
-              <a:t>Free PPT Templates - </a:t>
-            </a:r>
-            <a:r>
               <a:rPr lang="en-US" altLang="ko-KR" b="1" dirty="0">
-                <a:solidFill>
-                  <a:schemeClr val="tx1">
-                    <a:lumMod val="75000"/>
-                    <a:lumOff val="25000"/>
-                  </a:schemeClr>
-                </a:solidFill>
                 <a:latin typeface="Arial" pitchFamily="34" charset="0"/>
                 <a:cs typeface="Arial" pitchFamily="34" charset="0"/>
               </a:rPr>
-              <a:t>Standard (4:3)</a:t>
-            </a:r>
-          </a:p>
-        </p:txBody>
-      </p:sp>
-      <p:sp>
-        <p:nvSpPr>
-          <p:cNvPr id="7" name="Content Placeholder 6"/>
-          <p:cNvSpPr>
-            <a:spLocks noGrp="1"/>
-          </p:cNvSpPr>
-          <p:nvPr>
-            <p:ph idx="10"/>
-          </p:nvPr>
-        </p:nvSpPr>
-        <p:spPr/>
-        <p:txBody>
-          <a:bodyPr/>
-          <a:lstStyle/>
-          <a:p>
+              <a:t>Abstract</a:t>
+            </a:r>
+            <a:br>
+              <a:rPr lang="en-US" altLang="ko-KR" b="1" dirty="0">
+                <a:latin typeface="Arial" pitchFamily="34" charset="0"/>
+                <a:cs typeface="Arial" pitchFamily="34" charset="0"/>
+              </a:rPr>
+            </a:br>
             <a:r>
               <a:rPr lang="en-US" altLang="ko-KR" dirty="0">
                 <a:latin typeface="Arial" pitchFamily="34" charset="0"/>
                 <a:cs typeface="Arial" pitchFamily="34" charset="0"/>
               </a:rPr>
-              <a:t>This PowerPoint Template has clean and neutral design that can be adapted to any content and meets various market segments. With this many slides you are able to make a complete PowerPoint Presentation that best suit your needs. </a:t>
-            </a:r>
-          </a:p>
-          <a:p>
-            <a:pPr>
-              <a:buFont typeface="Wingdings" pitchFamily="2" charset="2"/>
-              <a:buChar char="ü"/>
-            </a:pPr>
+              <a:t>Rapid advancement in artificial intelligence has provided traders with new tools for making informed trading decisions.  Machine learning, as a branch of artificial intelligence, is excellent for this purpose as it specializes in forecasting, optimization, and decision-making. In CS 7646 we aim to understand the basic mechanics of the stock market and to apply a few simple machine learning algorithms to identify profit opportunities as signaled by technical indicators.</a:t>
+            </a:r>
+          </a:p>
+          <a:p>
             <a:endParaRPr lang="en-US" altLang="ko-KR" dirty="0">
               <a:latin typeface="Arial" pitchFamily="34" charset="0"/>
               <a:cs typeface="Arial" pitchFamily="34" charset="0"/>
@@ -4067,12 +4056,43 @@
           </a:p>
           <a:p>
             <a:r>
+              <a:rPr lang="en-US" altLang="ko-KR" b="1" dirty="0">
+                <a:latin typeface="Arial" pitchFamily="34" charset="0"/>
+                <a:cs typeface="Arial" pitchFamily="34" charset="0"/>
+              </a:rPr>
+              <a:t>Technology Stack</a:t>
+            </a:r>
+            <a:br>
+              <a:rPr lang="en-US" altLang="ko-KR" b="1" dirty="0">
+                <a:latin typeface="Arial" pitchFamily="34" charset="0"/>
+                <a:cs typeface="Arial" pitchFamily="34" charset="0"/>
+              </a:rPr>
+            </a:br>
+            <a:r>
               <a:rPr lang="en-US" altLang="ko-KR" dirty="0">
                 <a:latin typeface="Arial" pitchFamily="34" charset="0"/>
                 <a:cs typeface="Arial" pitchFamily="34" charset="0"/>
               </a:rPr>
-              <a:t>This PowerPoint Template has clean and neutral design that can be adapted to any content and meets various market segments. With this many slides you are able to make a complete PowerPoint Presentation that best suit your needs.</a:t>
-            </a:r>
+              <a:t>Python, </a:t>
+            </a:r>
+            <a:r>
+              <a:rPr lang="en-US" altLang="ko-KR" dirty="0" err="1">
+                <a:latin typeface="Arial" pitchFamily="34" charset="0"/>
+                <a:cs typeface="Arial" pitchFamily="34" charset="0"/>
+              </a:rPr>
+              <a:t>Numpy</a:t>
+            </a:r>
+            <a:r>
+              <a:rPr lang="en-US" altLang="ko-KR" dirty="0">
+                <a:latin typeface="Arial" pitchFamily="34" charset="0"/>
+                <a:cs typeface="Arial" pitchFamily="34" charset="0"/>
+              </a:rPr>
+              <a:t>, Pandas, Matplotlib.</a:t>
+            </a:r>
+            <a:endParaRPr lang="en-US" altLang="ko-KR" b="1" dirty="0">
+              <a:latin typeface="Arial" pitchFamily="34" charset="0"/>
+              <a:cs typeface="Arial" pitchFamily="34" charset="0"/>
+            </a:endParaRPr>
           </a:p>
           <a:p>
             <a:endParaRPr lang="en-US" altLang="ko-KR" dirty="0">
@@ -4082,22 +4102,21 @@
           </a:p>
           <a:p>
             <a:r>
+              <a:rPr lang="en-US" altLang="ko-KR" b="1" dirty="0">
+                <a:latin typeface="Arial" pitchFamily="34" charset="0"/>
+                <a:cs typeface="Arial" pitchFamily="34" charset="0"/>
+              </a:rPr>
+              <a:t>Table of Content</a:t>
+            </a:r>
+          </a:p>
+          <a:p>
+            <a:r>
               <a:rPr lang="en-US" altLang="ko-KR" dirty="0">
                 <a:latin typeface="Arial" pitchFamily="34" charset="0"/>
                 <a:cs typeface="Arial" pitchFamily="34" charset="0"/>
               </a:rPr>
-              <a:t>This PowerPoint Template has clean and neutral design that can be adapted to any content and meets various market segments. With this many slides you are able to make a complete PowerPoint Presentation that best suit your needs.</a:t>
-            </a:r>
-            <a:endParaRPr lang="ko-KR" altLang="en-US" dirty="0">
-              <a:latin typeface="Arial" pitchFamily="34" charset="0"/>
-              <a:cs typeface="Arial" pitchFamily="34" charset="0"/>
-            </a:endParaRPr>
-          </a:p>
-          <a:p>
-            <a:endParaRPr lang="en-US" altLang="ko-KR" dirty="0">
-              <a:latin typeface="Arial" pitchFamily="34" charset="0"/>
-              <a:cs typeface="Arial" pitchFamily="34" charset="0"/>
-            </a:endParaRPr>
+              <a:t>1. Technical Indicators </a:t>
+            </a:r>
           </a:p>
           <a:p>
             <a:r>
@@ -4105,7 +4124,34 @@
                 <a:latin typeface="Arial" pitchFamily="34" charset="0"/>
                 <a:cs typeface="Arial" pitchFamily="34" charset="0"/>
               </a:rPr>
-              <a:t>This PowerPoint Template has clean and neutral design that can be adapted to any content and meets various market segments. With this many slides you are able to make a complete PowerPoint Presentation that best suit your needs.</a:t>
+              <a:t>2. Manual Trader</a:t>
+            </a:r>
+          </a:p>
+          <a:p>
+            <a:r>
+              <a:rPr lang="en-US" altLang="ko-KR" dirty="0">
+                <a:latin typeface="Arial" pitchFamily="34" charset="0"/>
+                <a:cs typeface="Arial" pitchFamily="34" charset="0"/>
+              </a:rPr>
+              <a:t>3. Random Forest Trader</a:t>
+            </a:r>
+          </a:p>
+          <a:p>
+            <a:r>
+              <a:rPr lang="en-US" altLang="ko-KR" dirty="0">
+                <a:latin typeface="Arial" pitchFamily="34" charset="0"/>
+                <a:cs typeface="Arial" pitchFamily="34" charset="0"/>
+              </a:rPr>
+              <a:t>4. Q-learning Trader</a:t>
+            </a:r>
+          </a:p>
+          <a:p>
+            <a:r>
+              <a:rPr lang="en-US" altLang="ko-KR" dirty="0">
+                <a:latin typeface="Arial" pitchFamily="34" charset="0"/>
+                <a:cs typeface="Arial" pitchFamily="34" charset="0"/>
+              </a:rPr>
+              <a:t>5. Neural Network Trader</a:t>
             </a:r>
             <a:endParaRPr lang="ko-KR" altLang="en-US" dirty="0">
               <a:latin typeface="Arial" pitchFamily="34" charset="0"/>
@@ -4161,7 +4207,7 @@
           <a:p>
             <a:r>
               <a:rPr lang="en-US" altLang="ko-KR" dirty="0"/>
-              <a:t> Click to add title</a:t>
+              <a:t>Technical Indicators</a:t>
             </a:r>
             <a:endParaRPr lang="ko-KR" altLang="en-US" dirty="0"/>
           </a:p>
@@ -4169,35 +4215,6 @@
       </p:sp>
       <p:sp>
         <p:nvSpPr>
-          <p:cNvPr id="12" name="Content Placeholder 11"/>
-          <p:cNvSpPr>
-            <a:spLocks noGrp="1"/>
-          </p:cNvSpPr>
-          <p:nvPr>
-            <p:ph idx="1"/>
-          </p:nvPr>
-        </p:nvSpPr>
-        <p:spPr/>
-        <p:txBody>
-          <a:bodyPr/>
-          <a:lstStyle/>
-          <a:p>
-            <a:r>
-              <a:rPr lang="en-US" b="1" dirty="0"/>
-              <a:t>Free PPT Templates - </a:t>
-            </a:r>
-            <a:r>
-              <a:rPr lang="en-US" altLang="ko-KR" b="1" dirty="0">
-                <a:latin typeface="Arial" pitchFamily="34" charset="0"/>
-                <a:cs typeface="Arial" pitchFamily="34" charset="0"/>
-              </a:rPr>
-              <a:t>Standard (4:3)</a:t>
-            </a:r>
-          </a:p>
-        </p:txBody>
-      </p:sp>
-      <p:sp>
-        <p:nvSpPr>
           <p:cNvPr id="13" name="Content Placeholder 12"/>
           <p:cNvSpPr>
             <a:spLocks noGrp="1"/>
@@ -4206,7 +4223,12 @@
             <p:ph idx="10"/>
           </p:nvPr>
         </p:nvSpPr>
-        <p:spPr/>
+        <p:spPr>
+          <a:xfrm>
+            <a:off x="1393304" y="937319"/>
+            <a:ext cx="6563072" cy="4147865"/>
+          </a:xfrm>
+        </p:spPr>
         <p:txBody>
           <a:bodyPr/>
           <a:lstStyle/>
@@ -4216,13 +4238,1393 @@
                 <a:latin typeface="Arial" pitchFamily="34" charset="0"/>
                 <a:cs typeface="Arial" pitchFamily="34" charset="0"/>
               </a:rPr>
-              <a:t>This PowerPoint Template has clean and neutral design that can be adapted to any content and meets various market segments. With this many slides you are able to make a complete PowerPoint Presentation that best suit your needs. </a:t>
-            </a:r>
-          </a:p>
-          <a:p>
-            <a:pPr>
-              <a:buFont typeface="Wingdings" pitchFamily="2" charset="2"/>
-              <a:buChar char="ü"/>
+              <a:t>A manual strategy was first devised to establish baseline comparison with the machine learning based strategy.  In manual strategy, price/</a:t>
+            </a:r>
+            <a:r>
+              <a:rPr lang="en-US" altLang="ko-KR" dirty="0" err="1">
+                <a:latin typeface="Arial" pitchFamily="34" charset="0"/>
+                <a:cs typeface="Arial" pitchFamily="34" charset="0"/>
+              </a:rPr>
+              <a:t>sma</a:t>
+            </a:r>
+            <a:r>
+              <a:rPr lang="en-US" altLang="ko-KR" dirty="0">
+                <a:latin typeface="Arial" pitchFamily="34" charset="0"/>
+                <a:cs typeface="Arial" pitchFamily="34" charset="0"/>
+              </a:rPr>
+              <a:t> ratio, Bollinger bands, and volatility were used as the sole inputs for informing the trader.  </a:t>
+            </a:r>
+          </a:p>
+          <a:p>
+            <a:br>
+              <a:rPr lang="en-US" altLang="ko-KR" dirty="0">
+                <a:latin typeface="Arial" pitchFamily="34" charset="0"/>
+                <a:cs typeface="Arial" pitchFamily="34" charset="0"/>
+              </a:rPr>
+            </a:br>
+            <a:r>
+              <a:rPr lang="en-US" altLang="ko-KR" dirty="0">
+                <a:latin typeface="Arial" pitchFamily="34" charset="0"/>
+                <a:cs typeface="Arial" pitchFamily="34" charset="0"/>
+              </a:rPr>
+              <a:t>Below</a:t>
+            </a:r>
+            <a:r>
+              <a:rPr lang="ko-KR" altLang="en-US" dirty="0">
+                <a:latin typeface="Arial" pitchFamily="34" charset="0"/>
+                <a:cs typeface="Arial" pitchFamily="34" charset="0"/>
+              </a:rPr>
+              <a:t> </a:t>
+            </a:r>
+            <a:r>
+              <a:rPr lang="en-US" altLang="ko-KR" dirty="0">
+                <a:latin typeface="Arial" pitchFamily="34" charset="0"/>
+                <a:cs typeface="Arial" pitchFamily="34" charset="0"/>
+              </a:rPr>
+              <a:t>is</a:t>
+            </a:r>
+            <a:r>
+              <a:rPr lang="ko-KR" altLang="en-US" dirty="0">
+                <a:latin typeface="Arial" pitchFamily="34" charset="0"/>
+                <a:cs typeface="Arial" pitchFamily="34" charset="0"/>
+              </a:rPr>
+              <a:t> </a:t>
+            </a:r>
+            <a:r>
+              <a:rPr lang="en-US" altLang="ko-KR" dirty="0">
+                <a:latin typeface="Arial" pitchFamily="34" charset="0"/>
+                <a:cs typeface="Arial" pitchFamily="34" charset="0"/>
+              </a:rPr>
+              <a:t>a</a:t>
+            </a:r>
+            <a:r>
+              <a:rPr lang="ko-KR" altLang="en-US" dirty="0">
+                <a:latin typeface="Arial" pitchFamily="34" charset="0"/>
+                <a:cs typeface="Arial" pitchFamily="34" charset="0"/>
+              </a:rPr>
+              <a:t> </a:t>
+            </a:r>
+            <a:r>
+              <a:rPr lang="en-US" altLang="ko-KR" dirty="0">
+                <a:latin typeface="Arial" pitchFamily="34" charset="0"/>
+                <a:cs typeface="Arial" pitchFamily="34" charset="0"/>
+              </a:rPr>
+              <a:t>plot showing</a:t>
+            </a:r>
+            <a:r>
+              <a:rPr lang="ko-KR" altLang="en-US" dirty="0">
+                <a:latin typeface="Arial" pitchFamily="34" charset="0"/>
+                <a:cs typeface="Arial" pitchFamily="34" charset="0"/>
+              </a:rPr>
+              <a:t> </a:t>
+            </a:r>
+            <a:r>
+              <a:rPr lang="en-US" altLang="ko-KR" dirty="0">
+                <a:latin typeface="Arial" pitchFamily="34" charset="0"/>
+                <a:cs typeface="Arial" pitchFamily="34" charset="0"/>
+              </a:rPr>
+              <a:t>Bollinger bands generated using Pandas and Matplotlib</a:t>
+            </a:r>
+          </a:p>
+        </p:txBody>
+      </p:sp>
+    </p:spTree>
+    <p:extLst>
+      <p:ext uri="{BB962C8B-B14F-4D97-AF65-F5344CB8AC3E}">
+        <p14:creationId xmlns:p14="http://schemas.microsoft.com/office/powerpoint/2010/main" val="1197306948"/>
+      </p:ext>
+    </p:extLst>
+  </p:cSld>
+  <p:clrMapOvr>
+    <a:masterClrMapping/>
+  </p:clrMapOvr>
+</p:sld>
+</file>
+
+<file path=ppt/slides/slide4.xml><?xml version="1.0" encoding="utf-8"?>
+<p:sld xmlns:a="http://schemas.openxmlformats.org/drawingml/2006/main" xmlns:r="http://schemas.openxmlformats.org/officeDocument/2006/relationships" xmlns:p="http://schemas.openxmlformats.org/presentationml/2006/main">
+  <p:cSld>
+    <p:spTree>
+      <p:nvGrpSpPr>
+        <p:cNvPr id="1" name=""/>
+        <p:cNvGrpSpPr/>
+        <p:nvPr/>
+      </p:nvGrpSpPr>
+      <p:grpSpPr>
+        <a:xfrm>
+          <a:off x="0" y="0"/>
+          <a:ext cx="0" cy="0"/>
+          <a:chOff x="0" y="0"/>
+          <a:chExt cx="0" cy="0"/>
+        </a:xfrm>
+      </p:grpSpPr>
+      <p:sp>
+        <p:nvSpPr>
+          <p:cNvPr id="4" name="Title 3"/>
+          <p:cNvSpPr>
+            <a:spLocks noGrp="1"/>
+          </p:cNvSpPr>
+          <p:nvPr>
+            <p:ph type="title"/>
+          </p:nvPr>
+        </p:nvSpPr>
+        <p:spPr/>
+        <p:txBody>
+          <a:bodyPr/>
+          <a:lstStyle/>
+          <a:p>
+            <a:r>
+              <a:rPr lang="en-US" altLang="ko-KR" dirty="0"/>
+              <a:t>Manual Trader</a:t>
+            </a:r>
+            <a:endParaRPr lang="ko-KR" altLang="en-US" dirty="0"/>
+          </a:p>
+        </p:txBody>
+      </p:sp>
+      <p:sp>
+        <p:nvSpPr>
+          <p:cNvPr id="9" name="Content Placeholder 12">
+            <a:extLst>
+              <a:ext uri="{FF2B5EF4-FFF2-40B4-BE49-F238E27FC236}">
+                <a16:creationId xmlns:a16="http://schemas.microsoft.com/office/drawing/2014/main" id="{2F074E32-7C7A-4A80-B74D-C289ED147013}"/>
+              </a:ext>
+            </a:extLst>
+          </p:cNvPr>
+          <p:cNvSpPr txBox="1">
+            <a:spLocks/>
+          </p:cNvSpPr>
+          <p:nvPr/>
+        </p:nvSpPr>
+        <p:spPr>
+          <a:xfrm>
+            <a:off x="1393304" y="937319"/>
+            <a:ext cx="6563072" cy="4147865"/>
+          </a:xfrm>
+          <a:prstGeom prst="rect">
+            <a:avLst/>
+          </a:prstGeom>
+        </p:spPr>
+        <p:txBody>
+          <a:bodyPr lIns="396000" anchor="t"/>
+          <a:lstStyle>
+            <a:lvl1pPr marL="0" indent="0" algn="l" defTabSz="914400" rtl="0" eaLnBrk="1" latinLnBrk="1" hangingPunct="1">
+              <a:spcBef>
+                <a:spcPct val="20000"/>
+              </a:spcBef>
+              <a:buFont typeface="Arial" pitchFamily="34" charset="0"/>
+              <a:buNone/>
+              <a:defRPr sz="1400" kern="1200">
+                <a:solidFill>
+                  <a:schemeClr val="tx1">
+                    <a:lumMod val="75000"/>
+                    <a:lumOff val="25000"/>
+                  </a:schemeClr>
+                </a:solidFill>
+                <a:latin typeface="+mn-lt"/>
+                <a:ea typeface="+mn-ea"/>
+                <a:cs typeface="+mn-cs"/>
+              </a:defRPr>
+            </a:lvl1pPr>
+            <a:lvl2pPr marL="742950" indent="-285750" algn="l" defTabSz="914400" rtl="0" eaLnBrk="1" latinLnBrk="1" hangingPunct="1">
+              <a:spcBef>
+                <a:spcPct val="20000"/>
+              </a:spcBef>
+              <a:buFont typeface="Arial" pitchFamily="34" charset="0"/>
+              <a:buChar char="–"/>
+              <a:defRPr sz="2800" kern="1200">
+                <a:solidFill>
+                  <a:schemeClr val="tx1"/>
+                </a:solidFill>
+                <a:latin typeface="+mn-lt"/>
+                <a:ea typeface="+mn-ea"/>
+                <a:cs typeface="+mn-cs"/>
+              </a:defRPr>
+            </a:lvl2pPr>
+            <a:lvl3pPr marL="1143000" indent="-228600" algn="l" defTabSz="914400" rtl="0" eaLnBrk="1" latinLnBrk="1" hangingPunct="1">
+              <a:spcBef>
+                <a:spcPct val="20000"/>
+              </a:spcBef>
+              <a:buFont typeface="Arial" pitchFamily="34" charset="0"/>
+              <a:buChar char="•"/>
+              <a:defRPr sz="2400" kern="1200">
+                <a:solidFill>
+                  <a:schemeClr val="tx1"/>
+                </a:solidFill>
+                <a:latin typeface="+mn-lt"/>
+                <a:ea typeface="+mn-ea"/>
+                <a:cs typeface="+mn-cs"/>
+              </a:defRPr>
+            </a:lvl3pPr>
+            <a:lvl4pPr marL="1600200" indent="-228600" algn="l" defTabSz="914400" rtl="0" eaLnBrk="1" latinLnBrk="1" hangingPunct="1">
+              <a:spcBef>
+                <a:spcPct val="20000"/>
+              </a:spcBef>
+              <a:buFont typeface="Arial" pitchFamily="34" charset="0"/>
+              <a:buChar char="–"/>
+              <a:defRPr sz="2000" kern="1200">
+                <a:solidFill>
+                  <a:schemeClr val="tx1"/>
+                </a:solidFill>
+                <a:latin typeface="+mn-lt"/>
+                <a:ea typeface="+mn-ea"/>
+                <a:cs typeface="+mn-cs"/>
+              </a:defRPr>
+            </a:lvl4pPr>
+            <a:lvl5pPr marL="2057400" indent="-228600" algn="l" defTabSz="914400" rtl="0" eaLnBrk="1" latinLnBrk="1" hangingPunct="1">
+              <a:spcBef>
+                <a:spcPct val="20000"/>
+              </a:spcBef>
+              <a:buFont typeface="Arial" pitchFamily="34" charset="0"/>
+              <a:buChar char="»"/>
+              <a:defRPr sz="2000" kern="1200">
+                <a:solidFill>
+                  <a:schemeClr val="tx1"/>
+                </a:solidFill>
+                <a:latin typeface="+mn-lt"/>
+                <a:ea typeface="+mn-ea"/>
+                <a:cs typeface="+mn-cs"/>
+              </a:defRPr>
+            </a:lvl5pPr>
+            <a:lvl6pPr marL="2514600" indent="-228600" algn="l" defTabSz="914400" rtl="0" eaLnBrk="1" latinLnBrk="1" hangingPunct="1">
+              <a:spcBef>
+                <a:spcPct val="20000"/>
+              </a:spcBef>
+              <a:buFont typeface="Arial" pitchFamily="34" charset="0"/>
+              <a:buChar char="•"/>
+              <a:defRPr sz="2000" kern="1200">
+                <a:solidFill>
+                  <a:schemeClr val="tx1"/>
+                </a:solidFill>
+                <a:latin typeface="+mn-lt"/>
+                <a:ea typeface="+mn-ea"/>
+                <a:cs typeface="+mn-cs"/>
+              </a:defRPr>
+            </a:lvl6pPr>
+            <a:lvl7pPr marL="2971800" indent="-228600" algn="l" defTabSz="914400" rtl="0" eaLnBrk="1" latinLnBrk="1" hangingPunct="1">
+              <a:spcBef>
+                <a:spcPct val="20000"/>
+              </a:spcBef>
+              <a:buFont typeface="Arial" pitchFamily="34" charset="0"/>
+              <a:buChar char="•"/>
+              <a:defRPr sz="2000" kern="1200">
+                <a:solidFill>
+                  <a:schemeClr val="tx1"/>
+                </a:solidFill>
+                <a:latin typeface="+mn-lt"/>
+                <a:ea typeface="+mn-ea"/>
+                <a:cs typeface="+mn-cs"/>
+              </a:defRPr>
+            </a:lvl7pPr>
+            <a:lvl8pPr marL="3429000" indent="-228600" algn="l" defTabSz="914400" rtl="0" eaLnBrk="1" latinLnBrk="1" hangingPunct="1">
+              <a:spcBef>
+                <a:spcPct val="20000"/>
+              </a:spcBef>
+              <a:buFont typeface="Arial" pitchFamily="34" charset="0"/>
+              <a:buChar char="•"/>
+              <a:defRPr sz="2000" kern="1200">
+                <a:solidFill>
+                  <a:schemeClr val="tx1"/>
+                </a:solidFill>
+                <a:latin typeface="+mn-lt"/>
+                <a:ea typeface="+mn-ea"/>
+                <a:cs typeface="+mn-cs"/>
+              </a:defRPr>
+            </a:lvl8pPr>
+            <a:lvl9pPr marL="3886200" indent="-228600" algn="l" defTabSz="914400" rtl="0" eaLnBrk="1" latinLnBrk="1" hangingPunct="1">
+              <a:spcBef>
+                <a:spcPct val="20000"/>
+              </a:spcBef>
+              <a:buFont typeface="Arial" pitchFamily="34" charset="0"/>
+              <a:buChar char="•"/>
+              <a:defRPr sz="2000" kern="1200">
+                <a:solidFill>
+                  <a:schemeClr val="tx1"/>
+                </a:solidFill>
+                <a:latin typeface="+mn-lt"/>
+                <a:ea typeface="+mn-ea"/>
+                <a:cs typeface="+mn-cs"/>
+              </a:defRPr>
+            </a:lvl9pPr>
+          </a:lstStyle>
+          <a:p>
+            <a:r>
+              <a:rPr lang="en-US" altLang="ko-KR" dirty="0">
+                <a:latin typeface="Arial" pitchFamily="34" charset="0"/>
+                <a:cs typeface="Arial" pitchFamily="34" charset="0"/>
+              </a:rPr>
+              <a:t>A manual strategy was first devised to establish baseline comparison with the machine learning based strategy.  In manual strategy, price/</a:t>
+            </a:r>
+            <a:r>
+              <a:rPr lang="en-US" altLang="ko-KR" dirty="0" err="1">
+                <a:latin typeface="Arial" pitchFamily="34" charset="0"/>
+                <a:cs typeface="Arial" pitchFamily="34" charset="0"/>
+              </a:rPr>
+              <a:t>sma</a:t>
+            </a:r>
+            <a:r>
+              <a:rPr lang="en-US" altLang="ko-KR" dirty="0">
+                <a:latin typeface="Arial" pitchFamily="34" charset="0"/>
+                <a:cs typeface="Arial" pitchFamily="34" charset="0"/>
+              </a:rPr>
+              <a:t> ratio, Bollinger bands, and volatility were used as the sole inputs for informing the trader.  Signal thresholds were selected through manual tuning.</a:t>
+            </a:r>
+          </a:p>
+        </p:txBody>
+      </p:sp>
+    </p:spTree>
+    <p:extLst>
+      <p:ext uri="{BB962C8B-B14F-4D97-AF65-F5344CB8AC3E}">
+        <p14:creationId xmlns:p14="http://schemas.microsoft.com/office/powerpoint/2010/main" val="3316318520"/>
+      </p:ext>
+    </p:extLst>
+  </p:cSld>
+  <p:clrMapOvr>
+    <a:masterClrMapping/>
+  </p:clrMapOvr>
+</p:sld>
+</file>
+
+<file path=ppt/slides/slide5.xml><?xml version="1.0" encoding="utf-8"?>
+<p:sld xmlns:a="http://schemas.openxmlformats.org/drawingml/2006/main" xmlns:r="http://schemas.openxmlformats.org/officeDocument/2006/relationships" xmlns:p="http://schemas.openxmlformats.org/presentationml/2006/main">
+  <p:cSld>
+    <p:spTree>
+      <p:nvGrpSpPr>
+        <p:cNvPr id="1" name=""/>
+        <p:cNvGrpSpPr/>
+        <p:nvPr/>
+      </p:nvGrpSpPr>
+      <p:grpSpPr>
+        <a:xfrm>
+          <a:off x="0" y="0"/>
+          <a:ext cx="0" cy="0"/>
+          <a:chOff x="0" y="0"/>
+          <a:chExt cx="0" cy="0"/>
+        </a:xfrm>
+      </p:grpSpPr>
+      <p:sp>
+        <p:nvSpPr>
+          <p:cNvPr id="4" name="Title 3"/>
+          <p:cNvSpPr>
+            <a:spLocks noGrp="1"/>
+          </p:cNvSpPr>
+          <p:nvPr>
+            <p:ph type="title"/>
+          </p:nvPr>
+        </p:nvSpPr>
+        <p:spPr/>
+        <p:txBody>
+          <a:bodyPr/>
+          <a:lstStyle/>
+          <a:p>
+            <a:r>
+              <a:rPr lang="en-US" altLang="ko-KR" dirty="0"/>
+              <a:t>Random Forest Trader</a:t>
+            </a:r>
+            <a:endParaRPr lang="ko-KR" altLang="en-US" dirty="0"/>
+          </a:p>
+        </p:txBody>
+      </p:sp>
+      <p:sp>
+        <p:nvSpPr>
+          <p:cNvPr id="9" name="Content Placeholder 12">
+            <a:extLst>
+              <a:ext uri="{FF2B5EF4-FFF2-40B4-BE49-F238E27FC236}">
+                <a16:creationId xmlns:a16="http://schemas.microsoft.com/office/drawing/2014/main" id="{93FFCAB8-0625-4070-89AD-A75746FB6E59}"/>
+              </a:ext>
+            </a:extLst>
+          </p:cNvPr>
+          <p:cNvSpPr txBox="1">
+            <a:spLocks/>
+          </p:cNvSpPr>
+          <p:nvPr/>
+        </p:nvSpPr>
+        <p:spPr>
+          <a:xfrm>
+            <a:off x="1393304" y="937319"/>
+            <a:ext cx="6563072" cy="4147865"/>
+          </a:xfrm>
+          <a:prstGeom prst="rect">
+            <a:avLst/>
+          </a:prstGeom>
+        </p:spPr>
+        <p:txBody>
+          <a:bodyPr lIns="396000" anchor="t"/>
+          <a:lstStyle>
+            <a:lvl1pPr marL="0" indent="0" algn="l" defTabSz="914400" rtl="0" eaLnBrk="1" latinLnBrk="1" hangingPunct="1">
+              <a:spcBef>
+                <a:spcPct val="20000"/>
+              </a:spcBef>
+              <a:buFont typeface="Arial" pitchFamily="34" charset="0"/>
+              <a:buNone/>
+              <a:defRPr sz="1400" kern="1200">
+                <a:solidFill>
+                  <a:schemeClr val="tx1">
+                    <a:lumMod val="75000"/>
+                    <a:lumOff val="25000"/>
+                  </a:schemeClr>
+                </a:solidFill>
+                <a:latin typeface="+mn-lt"/>
+                <a:ea typeface="+mn-ea"/>
+                <a:cs typeface="+mn-cs"/>
+              </a:defRPr>
+            </a:lvl1pPr>
+            <a:lvl2pPr marL="742950" indent="-285750" algn="l" defTabSz="914400" rtl="0" eaLnBrk="1" latinLnBrk="1" hangingPunct="1">
+              <a:spcBef>
+                <a:spcPct val="20000"/>
+              </a:spcBef>
+              <a:buFont typeface="Arial" pitchFamily="34" charset="0"/>
+              <a:buChar char="–"/>
+              <a:defRPr sz="2800" kern="1200">
+                <a:solidFill>
+                  <a:schemeClr val="tx1"/>
+                </a:solidFill>
+                <a:latin typeface="+mn-lt"/>
+                <a:ea typeface="+mn-ea"/>
+                <a:cs typeface="+mn-cs"/>
+              </a:defRPr>
+            </a:lvl2pPr>
+            <a:lvl3pPr marL="1143000" indent="-228600" algn="l" defTabSz="914400" rtl="0" eaLnBrk="1" latinLnBrk="1" hangingPunct="1">
+              <a:spcBef>
+                <a:spcPct val="20000"/>
+              </a:spcBef>
+              <a:buFont typeface="Arial" pitchFamily="34" charset="0"/>
+              <a:buChar char="•"/>
+              <a:defRPr sz="2400" kern="1200">
+                <a:solidFill>
+                  <a:schemeClr val="tx1"/>
+                </a:solidFill>
+                <a:latin typeface="+mn-lt"/>
+                <a:ea typeface="+mn-ea"/>
+                <a:cs typeface="+mn-cs"/>
+              </a:defRPr>
+            </a:lvl3pPr>
+            <a:lvl4pPr marL="1600200" indent="-228600" algn="l" defTabSz="914400" rtl="0" eaLnBrk="1" latinLnBrk="1" hangingPunct="1">
+              <a:spcBef>
+                <a:spcPct val="20000"/>
+              </a:spcBef>
+              <a:buFont typeface="Arial" pitchFamily="34" charset="0"/>
+              <a:buChar char="–"/>
+              <a:defRPr sz="2000" kern="1200">
+                <a:solidFill>
+                  <a:schemeClr val="tx1"/>
+                </a:solidFill>
+                <a:latin typeface="+mn-lt"/>
+                <a:ea typeface="+mn-ea"/>
+                <a:cs typeface="+mn-cs"/>
+              </a:defRPr>
+            </a:lvl4pPr>
+            <a:lvl5pPr marL="2057400" indent="-228600" algn="l" defTabSz="914400" rtl="0" eaLnBrk="1" latinLnBrk="1" hangingPunct="1">
+              <a:spcBef>
+                <a:spcPct val="20000"/>
+              </a:spcBef>
+              <a:buFont typeface="Arial" pitchFamily="34" charset="0"/>
+              <a:buChar char="»"/>
+              <a:defRPr sz="2000" kern="1200">
+                <a:solidFill>
+                  <a:schemeClr val="tx1"/>
+                </a:solidFill>
+                <a:latin typeface="+mn-lt"/>
+                <a:ea typeface="+mn-ea"/>
+                <a:cs typeface="+mn-cs"/>
+              </a:defRPr>
+            </a:lvl5pPr>
+            <a:lvl6pPr marL="2514600" indent="-228600" algn="l" defTabSz="914400" rtl="0" eaLnBrk="1" latinLnBrk="1" hangingPunct="1">
+              <a:spcBef>
+                <a:spcPct val="20000"/>
+              </a:spcBef>
+              <a:buFont typeface="Arial" pitchFamily="34" charset="0"/>
+              <a:buChar char="•"/>
+              <a:defRPr sz="2000" kern="1200">
+                <a:solidFill>
+                  <a:schemeClr val="tx1"/>
+                </a:solidFill>
+                <a:latin typeface="+mn-lt"/>
+                <a:ea typeface="+mn-ea"/>
+                <a:cs typeface="+mn-cs"/>
+              </a:defRPr>
+            </a:lvl6pPr>
+            <a:lvl7pPr marL="2971800" indent="-228600" algn="l" defTabSz="914400" rtl="0" eaLnBrk="1" latinLnBrk="1" hangingPunct="1">
+              <a:spcBef>
+                <a:spcPct val="20000"/>
+              </a:spcBef>
+              <a:buFont typeface="Arial" pitchFamily="34" charset="0"/>
+              <a:buChar char="•"/>
+              <a:defRPr sz="2000" kern="1200">
+                <a:solidFill>
+                  <a:schemeClr val="tx1"/>
+                </a:solidFill>
+                <a:latin typeface="+mn-lt"/>
+                <a:ea typeface="+mn-ea"/>
+                <a:cs typeface="+mn-cs"/>
+              </a:defRPr>
+            </a:lvl7pPr>
+            <a:lvl8pPr marL="3429000" indent="-228600" algn="l" defTabSz="914400" rtl="0" eaLnBrk="1" latinLnBrk="1" hangingPunct="1">
+              <a:spcBef>
+                <a:spcPct val="20000"/>
+              </a:spcBef>
+              <a:buFont typeface="Arial" pitchFamily="34" charset="0"/>
+              <a:buChar char="•"/>
+              <a:defRPr sz="2000" kern="1200">
+                <a:solidFill>
+                  <a:schemeClr val="tx1"/>
+                </a:solidFill>
+                <a:latin typeface="+mn-lt"/>
+                <a:ea typeface="+mn-ea"/>
+                <a:cs typeface="+mn-cs"/>
+              </a:defRPr>
+            </a:lvl8pPr>
+            <a:lvl9pPr marL="3886200" indent="-228600" algn="l" defTabSz="914400" rtl="0" eaLnBrk="1" latinLnBrk="1" hangingPunct="1">
+              <a:spcBef>
+                <a:spcPct val="20000"/>
+              </a:spcBef>
+              <a:buFont typeface="Arial" pitchFamily="34" charset="0"/>
+              <a:buChar char="•"/>
+              <a:defRPr sz="2000" kern="1200">
+                <a:solidFill>
+                  <a:schemeClr val="tx1"/>
+                </a:solidFill>
+                <a:latin typeface="+mn-lt"/>
+                <a:ea typeface="+mn-ea"/>
+                <a:cs typeface="+mn-cs"/>
+              </a:defRPr>
+            </a:lvl9pPr>
+          </a:lstStyle>
+          <a:p>
+            <a:r>
+              <a:rPr lang="en-US" altLang="ko-KR" dirty="0">
+                <a:latin typeface="Arial" pitchFamily="34" charset="0"/>
+                <a:cs typeface="Arial" pitchFamily="34" charset="0"/>
+              </a:rPr>
+              <a:t>Random Forest excels in noisy environment and is robust to outliers.  This is advantageous to a market environment with sudden large spikes in either upward or downward price movement.</a:t>
+            </a:r>
+          </a:p>
+          <a:p>
+            <a:endParaRPr lang="en-US" altLang="ko-KR" dirty="0">
+              <a:latin typeface="Arial" pitchFamily="34" charset="0"/>
+              <a:cs typeface="Arial" pitchFamily="34" charset="0"/>
+            </a:endParaRPr>
+          </a:p>
+        </p:txBody>
+      </p:sp>
+    </p:spTree>
+    <p:extLst>
+      <p:ext uri="{BB962C8B-B14F-4D97-AF65-F5344CB8AC3E}">
+        <p14:creationId xmlns:p14="http://schemas.microsoft.com/office/powerpoint/2010/main" val="3659674305"/>
+      </p:ext>
+    </p:extLst>
+  </p:cSld>
+  <p:clrMapOvr>
+    <a:masterClrMapping/>
+  </p:clrMapOvr>
+</p:sld>
+</file>
+
+<file path=ppt/slides/slide6.xml><?xml version="1.0" encoding="utf-8"?>
+<p:sld xmlns:a="http://schemas.openxmlformats.org/drawingml/2006/main" xmlns:r="http://schemas.openxmlformats.org/officeDocument/2006/relationships" xmlns:p="http://schemas.openxmlformats.org/presentationml/2006/main">
+  <p:cSld>
+    <p:spTree>
+      <p:nvGrpSpPr>
+        <p:cNvPr id="1" name=""/>
+        <p:cNvGrpSpPr/>
+        <p:nvPr/>
+      </p:nvGrpSpPr>
+      <p:grpSpPr>
+        <a:xfrm>
+          <a:off x="0" y="0"/>
+          <a:ext cx="0" cy="0"/>
+          <a:chOff x="0" y="0"/>
+          <a:chExt cx="0" cy="0"/>
+        </a:xfrm>
+      </p:grpSpPr>
+      <p:sp>
+        <p:nvSpPr>
+          <p:cNvPr id="4" name="Title 3"/>
+          <p:cNvSpPr>
+            <a:spLocks noGrp="1"/>
+          </p:cNvSpPr>
+          <p:nvPr>
+            <p:ph type="title"/>
+          </p:nvPr>
+        </p:nvSpPr>
+        <p:spPr/>
+        <p:txBody>
+          <a:bodyPr/>
+          <a:lstStyle/>
+          <a:p>
+            <a:r>
+              <a:rPr lang="en-US" altLang="ko-KR" dirty="0"/>
+              <a:t>Q-Learner Trader</a:t>
+            </a:r>
+            <a:endParaRPr lang="ko-KR" altLang="en-US" dirty="0"/>
+          </a:p>
+        </p:txBody>
+      </p:sp>
+      <p:sp>
+        <p:nvSpPr>
+          <p:cNvPr id="9" name="Content Placeholder 12">
+            <a:extLst>
+              <a:ext uri="{FF2B5EF4-FFF2-40B4-BE49-F238E27FC236}">
+                <a16:creationId xmlns:a16="http://schemas.microsoft.com/office/drawing/2014/main" id="{BFB057CC-D189-4511-81FC-DE75017327C0}"/>
+              </a:ext>
+            </a:extLst>
+          </p:cNvPr>
+          <p:cNvSpPr txBox="1">
+            <a:spLocks/>
+          </p:cNvSpPr>
+          <p:nvPr/>
+        </p:nvSpPr>
+        <p:spPr>
+          <a:xfrm>
+            <a:off x="1393304" y="937319"/>
+            <a:ext cx="6563072" cy="4147865"/>
+          </a:xfrm>
+          <a:prstGeom prst="rect">
+            <a:avLst/>
+          </a:prstGeom>
+        </p:spPr>
+        <p:txBody>
+          <a:bodyPr lIns="396000" anchor="t"/>
+          <a:lstStyle>
+            <a:lvl1pPr marL="0" indent="0" algn="l" defTabSz="914400" rtl="0" eaLnBrk="1" latinLnBrk="1" hangingPunct="1">
+              <a:spcBef>
+                <a:spcPct val="20000"/>
+              </a:spcBef>
+              <a:buFont typeface="Arial" pitchFamily="34" charset="0"/>
+              <a:buNone/>
+              <a:defRPr sz="1400" kern="1200">
+                <a:solidFill>
+                  <a:schemeClr val="tx1">
+                    <a:lumMod val="75000"/>
+                    <a:lumOff val="25000"/>
+                  </a:schemeClr>
+                </a:solidFill>
+                <a:latin typeface="+mn-lt"/>
+                <a:ea typeface="+mn-ea"/>
+                <a:cs typeface="+mn-cs"/>
+              </a:defRPr>
+            </a:lvl1pPr>
+            <a:lvl2pPr marL="742950" indent="-285750" algn="l" defTabSz="914400" rtl="0" eaLnBrk="1" latinLnBrk="1" hangingPunct="1">
+              <a:spcBef>
+                <a:spcPct val="20000"/>
+              </a:spcBef>
+              <a:buFont typeface="Arial" pitchFamily="34" charset="0"/>
+              <a:buChar char="–"/>
+              <a:defRPr sz="2800" kern="1200">
+                <a:solidFill>
+                  <a:schemeClr val="tx1"/>
+                </a:solidFill>
+                <a:latin typeface="+mn-lt"/>
+                <a:ea typeface="+mn-ea"/>
+                <a:cs typeface="+mn-cs"/>
+              </a:defRPr>
+            </a:lvl2pPr>
+            <a:lvl3pPr marL="1143000" indent="-228600" algn="l" defTabSz="914400" rtl="0" eaLnBrk="1" latinLnBrk="1" hangingPunct="1">
+              <a:spcBef>
+                <a:spcPct val="20000"/>
+              </a:spcBef>
+              <a:buFont typeface="Arial" pitchFamily="34" charset="0"/>
+              <a:buChar char="•"/>
+              <a:defRPr sz="2400" kern="1200">
+                <a:solidFill>
+                  <a:schemeClr val="tx1"/>
+                </a:solidFill>
+                <a:latin typeface="+mn-lt"/>
+                <a:ea typeface="+mn-ea"/>
+                <a:cs typeface="+mn-cs"/>
+              </a:defRPr>
+            </a:lvl3pPr>
+            <a:lvl4pPr marL="1600200" indent="-228600" algn="l" defTabSz="914400" rtl="0" eaLnBrk="1" latinLnBrk="1" hangingPunct="1">
+              <a:spcBef>
+                <a:spcPct val="20000"/>
+              </a:spcBef>
+              <a:buFont typeface="Arial" pitchFamily="34" charset="0"/>
+              <a:buChar char="–"/>
+              <a:defRPr sz="2000" kern="1200">
+                <a:solidFill>
+                  <a:schemeClr val="tx1"/>
+                </a:solidFill>
+                <a:latin typeface="+mn-lt"/>
+                <a:ea typeface="+mn-ea"/>
+                <a:cs typeface="+mn-cs"/>
+              </a:defRPr>
+            </a:lvl4pPr>
+            <a:lvl5pPr marL="2057400" indent="-228600" algn="l" defTabSz="914400" rtl="0" eaLnBrk="1" latinLnBrk="1" hangingPunct="1">
+              <a:spcBef>
+                <a:spcPct val="20000"/>
+              </a:spcBef>
+              <a:buFont typeface="Arial" pitchFamily="34" charset="0"/>
+              <a:buChar char="»"/>
+              <a:defRPr sz="2000" kern="1200">
+                <a:solidFill>
+                  <a:schemeClr val="tx1"/>
+                </a:solidFill>
+                <a:latin typeface="+mn-lt"/>
+                <a:ea typeface="+mn-ea"/>
+                <a:cs typeface="+mn-cs"/>
+              </a:defRPr>
+            </a:lvl5pPr>
+            <a:lvl6pPr marL="2514600" indent="-228600" algn="l" defTabSz="914400" rtl="0" eaLnBrk="1" latinLnBrk="1" hangingPunct="1">
+              <a:spcBef>
+                <a:spcPct val="20000"/>
+              </a:spcBef>
+              <a:buFont typeface="Arial" pitchFamily="34" charset="0"/>
+              <a:buChar char="•"/>
+              <a:defRPr sz="2000" kern="1200">
+                <a:solidFill>
+                  <a:schemeClr val="tx1"/>
+                </a:solidFill>
+                <a:latin typeface="+mn-lt"/>
+                <a:ea typeface="+mn-ea"/>
+                <a:cs typeface="+mn-cs"/>
+              </a:defRPr>
+            </a:lvl6pPr>
+            <a:lvl7pPr marL="2971800" indent="-228600" algn="l" defTabSz="914400" rtl="0" eaLnBrk="1" latinLnBrk="1" hangingPunct="1">
+              <a:spcBef>
+                <a:spcPct val="20000"/>
+              </a:spcBef>
+              <a:buFont typeface="Arial" pitchFamily="34" charset="0"/>
+              <a:buChar char="•"/>
+              <a:defRPr sz="2000" kern="1200">
+                <a:solidFill>
+                  <a:schemeClr val="tx1"/>
+                </a:solidFill>
+                <a:latin typeface="+mn-lt"/>
+                <a:ea typeface="+mn-ea"/>
+                <a:cs typeface="+mn-cs"/>
+              </a:defRPr>
+            </a:lvl7pPr>
+            <a:lvl8pPr marL="3429000" indent="-228600" algn="l" defTabSz="914400" rtl="0" eaLnBrk="1" latinLnBrk="1" hangingPunct="1">
+              <a:spcBef>
+                <a:spcPct val="20000"/>
+              </a:spcBef>
+              <a:buFont typeface="Arial" pitchFamily="34" charset="0"/>
+              <a:buChar char="•"/>
+              <a:defRPr sz="2000" kern="1200">
+                <a:solidFill>
+                  <a:schemeClr val="tx1"/>
+                </a:solidFill>
+                <a:latin typeface="+mn-lt"/>
+                <a:ea typeface="+mn-ea"/>
+                <a:cs typeface="+mn-cs"/>
+              </a:defRPr>
+            </a:lvl8pPr>
+            <a:lvl9pPr marL="3886200" indent="-228600" algn="l" defTabSz="914400" rtl="0" eaLnBrk="1" latinLnBrk="1" hangingPunct="1">
+              <a:spcBef>
+                <a:spcPct val="20000"/>
+              </a:spcBef>
+              <a:buFont typeface="Arial" pitchFamily="34" charset="0"/>
+              <a:buChar char="•"/>
+              <a:defRPr sz="2000" kern="1200">
+                <a:solidFill>
+                  <a:schemeClr val="tx1"/>
+                </a:solidFill>
+                <a:latin typeface="+mn-lt"/>
+                <a:ea typeface="+mn-ea"/>
+                <a:cs typeface="+mn-cs"/>
+              </a:defRPr>
+            </a:lvl9pPr>
+          </a:lstStyle>
+          <a:p>
+            <a:r>
+              <a:rPr lang="en-US" altLang="ko-KR" dirty="0">
+                <a:latin typeface="Arial" pitchFamily="34" charset="0"/>
+                <a:cs typeface="Arial" pitchFamily="34" charset="0"/>
+              </a:rPr>
+              <a:t>Reinforcement learning algorithms not only forecast the best possible long term reward but also recommend the optimal action to take at any given state.  In our q-learner, we use the same three indicators (P/SMA, BB, and Volatility) as our states.  Actions are Buy, Sell, or Do Nothing.  Rewards are he returns of the next day.</a:t>
+            </a:r>
+          </a:p>
+        </p:txBody>
+      </p:sp>
+    </p:spTree>
+    <p:extLst>
+      <p:ext uri="{BB962C8B-B14F-4D97-AF65-F5344CB8AC3E}">
+        <p14:creationId xmlns:p14="http://schemas.microsoft.com/office/powerpoint/2010/main" val="2642412422"/>
+      </p:ext>
+    </p:extLst>
+  </p:cSld>
+  <p:clrMapOvr>
+    <a:masterClrMapping/>
+  </p:clrMapOvr>
+</p:sld>
+</file>
+
+<file path=ppt/slides/slide7.xml><?xml version="1.0" encoding="utf-8"?>
+<p:sld xmlns:a="http://schemas.openxmlformats.org/drawingml/2006/main" xmlns:r="http://schemas.openxmlformats.org/officeDocument/2006/relationships" xmlns:p="http://schemas.openxmlformats.org/presentationml/2006/main">
+  <p:cSld>
+    <p:spTree>
+      <p:nvGrpSpPr>
+        <p:cNvPr id="1" name=""/>
+        <p:cNvGrpSpPr/>
+        <p:nvPr/>
+      </p:nvGrpSpPr>
+      <p:grpSpPr>
+        <a:xfrm>
+          <a:off x="0" y="0"/>
+          <a:ext cx="0" cy="0"/>
+          <a:chOff x="0" y="0"/>
+          <a:chExt cx="0" cy="0"/>
+        </a:xfrm>
+      </p:grpSpPr>
+      <p:sp>
+        <p:nvSpPr>
+          <p:cNvPr id="4" name="Title 3"/>
+          <p:cNvSpPr>
+            <a:spLocks noGrp="1"/>
+          </p:cNvSpPr>
+          <p:nvPr>
+            <p:ph type="title"/>
+          </p:nvPr>
+        </p:nvSpPr>
+        <p:spPr/>
+        <p:txBody>
+          <a:bodyPr/>
+          <a:lstStyle/>
+          <a:p>
+            <a:r>
+              <a:rPr lang="en-US" altLang="ko-KR" dirty="0"/>
+              <a:t>Neural Network Trader</a:t>
+            </a:r>
+            <a:endParaRPr lang="ko-KR" altLang="en-US" dirty="0"/>
+          </a:p>
+        </p:txBody>
+      </p:sp>
+      <p:sp>
+        <p:nvSpPr>
+          <p:cNvPr id="9" name="Content Placeholder 12">
+            <a:extLst>
+              <a:ext uri="{FF2B5EF4-FFF2-40B4-BE49-F238E27FC236}">
+                <a16:creationId xmlns:a16="http://schemas.microsoft.com/office/drawing/2014/main" id="{18740C96-AF0D-46C6-AC1F-AD4A0E347426}"/>
+              </a:ext>
+            </a:extLst>
+          </p:cNvPr>
+          <p:cNvSpPr txBox="1">
+            <a:spLocks/>
+          </p:cNvSpPr>
+          <p:nvPr/>
+        </p:nvSpPr>
+        <p:spPr>
+          <a:xfrm>
+            <a:off x="1393304" y="937319"/>
+            <a:ext cx="6563072" cy="4147865"/>
+          </a:xfrm>
+          <a:prstGeom prst="rect">
+            <a:avLst/>
+          </a:prstGeom>
+        </p:spPr>
+        <p:txBody>
+          <a:bodyPr lIns="396000" anchor="t"/>
+          <a:lstStyle>
+            <a:lvl1pPr marL="0" indent="0" algn="l" defTabSz="914400" rtl="0" eaLnBrk="1" latinLnBrk="1" hangingPunct="1">
+              <a:spcBef>
+                <a:spcPct val="20000"/>
+              </a:spcBef>
+              <a:buFont typeface="Arial" pitchFamily="34" charset="0"/>
+              <a:buNone/>
+              <a:defRPr sz="1400" kern="1200">
+                <a:solidFill>
+                  <a:schemeClr val="tx1">
+                    <a:lumMod val="75000"/>
+                    <a:lumOff val="25000"/>
+                  </a:schemeClr>
+                </a:solidFill>
+                <a:latin typeface="+mn-lt"/>
+                <a:ea typeface="+mn-ea"/>
+                <a:cs typeface="+mn-cs"/>
+              </a:defRPr>
+            </a:lvl1pPr>
+            <a:lvl2pPr marL="742950" indent="-285750" algn="l" defTabSz="914400" rtl="0" eaLnBrk="1" latinLnBrk="1" hangingPunct="1">
+              <a:spcBef>
+                <a:spcPct val="20000"/>
+              </a:spcBef>
+              <a:buFont typeface="Arial" pitchFamily="34" charset="0"/>
+              <a:buChar char="–"/>
+              <a:defRPr sz="2800" kern="1200">
+                <a:solidFill>
+                  <a:schemeClr val="tx1"/>
+                </a:solidFill>
+                <a:latin typeface="+mn-lt"/>
+                <a:ea typeface="+mn-ea"/>
+                <a:cs typeface="+mn-cs"/>
+              </a:defRPr>
+            </a:lvl2pPr>
+            <a:lvl3pPr marL="1143000" indent="-228600" algn="l" defTabSz="914400" rtl="0" eaLnBrk="1" latinLnBrk="1" hangingPunct="1">
+              <a:spcBef>
+                <a:spcPct val="20000"/>
+              </a:spcBef>
+              <a:buFont typeface="Arial" pitchFamily="34" charset="0"/>
+              <a:buChar char="•"/>
+              <a:defRPr sz="2400" kern="1200">
+                <a:solidFill>
+                  <a:schemeClr val="tx1"/>
+                </a:solidFill>
+                <a:latin typeface="+mn-lt"/>
+                <a:ea typeface="+mn-ea"/>
+                <a:cs typeface="+mn-cs"/>
+              </a:defRPr>
+            </a:lvl3pPr>
+            <a:lvl4pPr marL="1600200" indent="-228600" algn="l" defTabSz="914400" rtl="0" eaLnBrk="1" latinLnBrk="1" hangingPunct="1">
+              <a:spcBef>
+                <a:spcPct val="20000"/>
+              </a:spcBef>
+              <a:buFont typeface="Arial" pitchFamily="34" charset="0"/>
+              <a:buChar char="–"/>
+              <a:defRPr sz="2000" kern="1200">
+                <a:solidFill>
+                  <a:schemeClr val="tx1"/>
+                </a:solidFill>
+                <a:latin typeface="+mn-lt"/>
+                <a:ea typeface="+mn-ea"/>
+                <a:cs typeface="+mn-cs"/>
+              </a:defRPr>
+            </a:lvl4pPr>
+            <a:lvl5pPr marL="2057400" indent="-228600" algn="l" defTabSz="914400" rtl="0" eaLnBrk="1" latinLnBrk="1" hangingPunct="1">
+              <a:spcBef>
+                <a:spcPct val="20000"/>
+              </a:spcBef>
+              <a:buFont typeface="Arial" pitchFamily="34" charset="0"/>
+              <a:buChar char="»"/>
+              <a:defRPr sz="2000" kern="1200">
+                <a:solidFill>
+                  <a:schemeClr val="tx1"/>
+                </a:solidFill>
+                <a:latin typeface="+mn-lt"/>
+                <a:ea typeface="+mn-ea"/>
+                <a:cs typeface="+mn-cs"/>
+              </a:defRPr>
+            </a:lvl5pPr>
+            <a:lvl6pPr marL="2514600" indent="-228600" algn="l" defTabSz="914400" rtl="0" eaLnBrk="1" latinLnBrk="1" hangingPunct="1">
+              <a:spcBef>
+                <a:spcPct val="20000"/>
+              </a:spcBef>
+              <a:buFont typeface="Arial" pitchFamily="34" charset="0"/>
+              <a:buChar char="•"/>
+              <a:defRPr sz="2000" kern="1200">
+                <a:solidFill>
+                  <a:schemeClr val="tx1"/>
+                </a:solidFill>
+                <a:latin typeface="+mn-lt"/>
+                <a:ea typeface="+mn-ea"/>
+                <a:cs typeface="+mn-cs"/>
+              </a:defRPr>
+            </a:lvl6pPr>
+            <a:lvl7pPr marL="2971800" indent="-228600" algn="l" defTabSz="914400" rtl="0" eaLnBrk="1" latinLnBrk="1" hangingPunct="1">
+              <a:spcBef>
+                <a:spcPct val="20000"/>
+              </a:spcBef>
+              <a:buFont typeface="Arial" pitchFamily="34" charset="0"/>
+              <a:buChar char="•"/>
+              <a:defRPr sz="2000" kern="1200">
+                <a:solidFill>
+                  <a:schemeClr val="tx1"/>
+                </a:solidFill>
+                <a:latin typeface="+mn-lt"/>
+                <a:ea typeface="+mn-ea"/>
+                <a:cs typeface="+mn-cs"/>
+              </a:defRPr>
+            </a:lvl7pPr>
+            <a:lvl8pPr marL="3429000" indent="-228600" algn="l" defTabSz="914400" rtl="0" eaLnBrk="1" latinLnBrk="1" hangingPunct="1">
+              <a:spcBef>
+                <a:spcPct val="20000"/>
+              </a:spcBef>
+              <a:buFont typeface="Arial" pitchFamily="34" charset="0"/>
+              <a:buChar char="•"/>
+              <a:defRPr sz="2000" kern="1200">
+                <a:solidFill>
+                  <a:schemeClr val="tx1"/>
+                </a:solidFill>
+                <a:latin typeface="+mn-lt"/>
+                <a:ea typeface="+mn-ea"/>
+                <a:cs typeface="+mn-cs"/>
+              </a:defRPr>
+            </a:lvl8pPr>
+            <a:lvl9pPr marL="3886200" indent="-228600" algn="l" defTabSz="914400" rtl="0" eaLnBrk="1" latinLnBrk="1" hangingPunct="1">
+              <a:spcBef>
+                <a:spcPct val="20000"/>
+              </a:spcBef>
+              <a:buFont typeface="Arial" pitchFamily="34" charset="0"/>
+              <a:buChar char="•"/>
+              <a:defRPr sz="2000" kern="1200">
+                <a:solidFill>
+                  <a:schemeClr val="tx1"/>
+                </a:solidFill>
+                <a:latin typeface="+mn-lt"/>
+                <a:ea typeface="+mn-ea"/>
+                <a:cs typeface="+mn-cs"/>
+              </a:defRPr>
+            </a:lvl9pPr>
+          </a:lstStyle>
+          <a:p>
+            <a:r>
+              <a:rPr lang="en-US" altLang="ko-KR" dirty="0">
+                <a:latin typeface="Arial" pitchFamily="34" charset="0"/>
+                <a:cs typeface="Arial" pitchFamily="34" charset="0"/>
+              </a:rPr>
+              <a:t>Neural network trader was not an assignment from CS 7646 but rather a personal exercise.  Framed as a supervised learning problem, this neural network trader uses the following parameters/hyperparameters:</a:t>
+            </a:r>
+          </a:p>
+          <a:p>
+            <a:pPr marL="342900" indent="-342900">
+              <a:buFont typeface="+mj-lt"/>
+              <a:buAutoNum type="arabicPeriod"/>
+            </a:pPr>
+            <a:r>
+              <a:rPr lang="en-US" altLang="ko-KR" dirty="0">
+                <a:latin typeface="Arial" pitchFamily="34" charset="0"/>
+                <a:cs typeface="Arial" pitchFamily="34" charset="0"/>
+              </a:rPr>
+              <a:t>Label: 5-day return</a:t>
+            </a:r>
+          </a:p>
+          <a:p>
+            <a:pPr marL="342900" indent="-342900">
+              <a:buFont typeface="+mj-lt"/>
+              <a:buAutoNum type="arabicPeriod"/>
+            </a:pPr>
+            <a:r>
+              <a:rPr lang="en-US" altLang="ko-KR" dirty="0">
+                <a:latin typeface="Arial" pitchFamily="34" charset="0"/>
+                <a:cs typeface="Arial" pitchFamily="34" charset="0"/>
+              </a:rPr>
+              <a:t>Network size: 5 X 4 X 6</a:t>
+            </a:r>
+          </a:p>
+          <a:p>
+            <a:pPr marL="342900" indent="-342900">
+              <a:buFont typeface="+mj-lt"/>
+              <a:buAutoNum type="arabicPeriod"/>
+            </a:pPr>
+            <a:r>
+              <a:rPr lang="en-US" altLang="ko-KR" dirty="0">
+                <a:latin typeface="Arial" pitchFamily="34" charset="0"/>
+                <a:cs typeface="Arial" pitchFamily="34" charset="0"/>
+              </a:rPr>
+              <a:t>Learning rate of .0001</a:t>
+            </a:r>
+          </a:p>
+          <a:p>
+            <a:pPr marL="342900" indent="-342900">
+              <a:buFont typeface="+mj-lt"/>
+              <a:buAutoNum type="arabicPeriod"/>
+            </a:pPr>
+            <a:r>
+              <a:rPr lang="en-US" altLang="ko-KR" dirty="0">
+                <a:latin typeface="Arial" pitchFamily="34" charset="0"/>
+                <a:cs typeface="Arial" pitchFamily="34" charset="0"/>
+              </a:rPr>
+              <a:t>Batch gradient descent of 32 batches per epoch</a:t>
+            </a:r>
+          </a:p>
+          <a:p>
+            <a:pPr marL="342900" indent="-342900">
+              <a:buFont typeface="+mj-lt"/>
+              <a:buAutoNum type="arabicPeriod"/>
+            </a:pPr>
+            <a:r>
+              <a:rPr lang="en-US" altLang="ko-KR" dirty="0">
+                <a:latin typeface="Arial" pitchFamily="34" charset="0"/>
+                <a:cs typeface="Arial" pitchFamily="34" charset="0"/>
+              </a:rPr>
+              <a:t>Sigmoid activation.</a:t>
+            </a:r>
+          </a:p>
+        </p:txBody>
+      </p:sp>
+    </p:spTree>
+    <p:extLst>
+      <p:ext uri="{BB962C8B-B14F-4D97-AF65-F5344CB8AC3E}">
+        <p14:creationId xmlns:p14="http://schemas.microsoft.com/office/powerpoint/2010/main" val="3175404839"/>
+      </p:ext>
+    </p:extLst>
+  </p:cSld>
+  <p:clrMapOvr>
+    <a:masterClrMapping/>
+  </p:clrMapOvr>
+</p:sld>
+</file>
+
+<file path=ppt/slides/slide8.xml><?xml version="1.0" encoding="utf-8"?>
+<p:sld xmlns:a="http://schemas.openxmlformats.org/drawingml/2006/main" xmlns:r="http://schemas.openxmlformats.org/officeDocument/2006/relationships" xmlns:p="http://schemas.openxmlformats.org/presentationml/2006/main">
+  <p:cSld>
+    <p:spTree>
+      <p:nvGrpSpPr>
+        <p:cNvPr id="1" name=""/>
+        <p:cNvGrpSpPr/>
+        <p:nvPr/>
+      </p:nvGrpSpPr>
+      <p:grpSpPr>
+        <a:xfrm>
+          <a:off x="0" y="0"/>
+          <a:ext cx="0" cy="0"/>
+          <a:chOff x="0" y="0"/>
+          <a:chExt cx="0" cy="0"/>
+        </a:xfrm>
+      </p:grpSpPr>
+      <p:sp>
+        <p:nvSpPr>
+          <p:cNvPr id="4" name="Title 3"/>
+          <p:cNvSpPr>
+            <a:spLocks noGrp="1"/>
+          </p:cNvSpPr>
+          <p:nvPr>
+            <p:ph type="title"/>
+          </p:nvPr>
+        </p:nvSpPr>
+        <p:spPr/>
+        <p:txBody>
+          <a:bodyPr/>
+          <a:lstStyle/>
+          <a:p>
+            <a:r>
+              <a:rPr lang="en-US" altLang="ko-KR" dirty="0"/>
+              <a:t>Conclusion</a:t>
+            </a:r>
+            <a:endParaRPr lang="ko-KR" altLang="en-US" dirty="0"/>
+          </a:p>
+        </p:txBody>
+      </p:sp>
+      <p:sp>
+        <p:nvSpPr>
+          <p:cNvPr id="9" name="Content Placeholder 12">
+            <a:extLst>
+              <a:ext uri="{FF2B5EF4-FFF2-40B4-BE49-F238E27FC236}">
+                <a16:creationId xmlns:a16="http://schemas.microsoft.com/office/drawing/2014/main" id="{18740C96-AF0D-46C6-AC1F-AD4A0E347426}"/>
+              </a:ext>
+            </a:extLst>
+          </p:cNvPr>
+          <p:cNvSpPr txBox="1">
+            <a:spLocks/>
+          </p:cNvSpPr>
+          <p:nvPr/>
+        </p:nvSpPr>
+        <p:spPr>
+          <a:xfrm>
+            <a:off x="1393304" y="937319"/>
+            <a:ext cx="6563072" cy="4147865"/>
+          </a:xfrm>
+          <a:prstGeom prst="rect">
+            <a:avLst/>
+          </a:prstGeom>
+        </p:spPr>
+        <p:txBody>
+          <a:bodyPr lIns="396000" anchor="t"/>
+          <a:lstStyle>
+            <a:lvl1pPr marL="0" indent="0" algn="l" defTabSz="914400" rtl="0" eaLnBrk="1" latinLnBrk="1" hangingPunct="1">
+              <a:spcBef>
+                <a:spcPct val="20000"/>
+              </a:spcBef>
+              <a:buFont typeface="Arial" pitchFamily="34" charset="0"/>
+              <a:buNone/>
+              <a:defRPr sz="1400" kern="1200">
+                <a:solidFill>
+                  <a:schemeClr val="tx1">
+                    <a:lumMod val="75000"/>
+                    <a:lumOff val="25000"/>
+                  </a:schemeClr>
+                </a:solidFill>
+                <a:latin typeface="+mn-lt"/>
+                <a:ea typeface="+mn-ea"/>
+                <a:cs typeface="+mn-cs"/>
+              </a:defRPr>
+            </a:lvl1pPr>
+            <a:lvl2pPr marL="742950" indent="-285750" algn="l" defTabSz="914400" rtl="0" eaLnBrk="1" latinLnBrk="1" hangingPunct="1">
+              <a:spcBef>
+                <a:spcPct val="20000"/>
+              </a:spcBef>
+              <a:buFont typeface="Arial" pitchFamily="34" charset="0"/>
+              <a:buChar char="–"/>
+              <a:defRPr sz="2800" kern="1200">
+                <a:solidFill>
+                  <a:schemeClr val="tx1"/>
+                </a:solidFill>
+                <a:latin typeface="+mn-lt"/>
+                <a:ea typeface="+mn-ea"/>
+                <a:cs typeface="+mn-cs"/>
+              </a:defRPr>
+            </a:lvl2pPr>
+            <a:lvl3pPr marL="1143000" indent="-228600" algn="l" defTabSz="914400" rtl="0" eaLnBrk="1" latinLnBrk="1" hangingPunct="1">
+              <a:spcBef>
+                <a:spcPct val="20000"/>
+              </a:spcBef>
+              <a:buFont typeface="Arial" pitchFamily="34" charset="0"/>
+              <a:buChar char="•"/>
+              <a:defRPr sz="2400" kern="1200">
+                <a:solidFill>
+                  <a:schemeClr val="tx1"/>
+                </a:solidFill>
+                <a:latin typeface="+mn-lt"/>
+                <a:ea typeface="+mn-ea"/>
+                <a:cs typeface="+mn-cs"/>
+              </a:defRPr>
+            </a:lvl3pPr>
+            <a:lvl4pPr marL="1600200" indent="-228600" algn="l" defTabSz="914400" rtl="0" eaLnBrk="1" latinLnBrk="1" hangingPunct="1">
+              <a:spcBef>
+                <a:spcPct val="20000"/>
+              </a:spcBef>
+              <a:buFont typeface="Arial" pitchFamily="34" charset="0"/>
+              <a:buChar char="–"/>
+              <a:defRPr sz="2000" kern="1200">
+                <a:solidFill>
+                  <a:schemeClr val="tx1"/>
+                </a:solidFill>
+                <a:latin typeface="+mn-lt"/>
+                <a:ea typeface="+mn-ea"/>
+                <a:cs typeface="+mn-cs"/>
+              </a:defRPr>
+            </a:lvl4pPr>
+            <a:lvl5pPr marL="2057400" indent="-228600" algn="l" defTabSz="914400" rtl="0" eaLnBrk="1" latinLnBrk="1" hangingPunct="1">
+              <a:spcBef>
+                <a:spcPct val="20000"/>
+              </a:spcBef>
+              <a:buFont typeface="Arial" pitchFamily="34" charset="0"/>
+              <a:buChar char="»"/>
+              <a:defRPr sz="2000" kern="1200">
+                <a:solidFill>
+                  <a:schemeClr val="tx1"/>
+                </a:solidFill>
+                <a:latin typeface="+mn-lt"/>
+                <a:ea typeface="+mn-ea"/>
+                <a:cs typeface="+mn-cs"/>
+              </a:defRPr>
+            </a:lvl5pPr>
+            <a:lvl6pPr marL="2514600" indent="-228600" algn="l" defTabSz="914400" rtl="0" eaLnBrk="1" latinLnBrk="1" hangingPunct="1">
+              <a:spcBef>
+                <a:spcPct val="20000"/>
+              </a:spcBef>
+              <a:buFont typeface="Arial" pitchFamily="34" charset="0"/>
+              <a:buChar char="•"/>
+              <a:defRPr sz="2000" kern="1200">
+                <a:solidFill>
+                  <a:schemeClr val="tx1"/>
+                </a:solidFill>
+                <a:latin typeface="+mn-lt"/>
+                <a:ea typeface="+mn-ea"/>
+                <a:cs typeface="+mn-cs"/>
+              </a:defRPr>
+            </a:lvl6pPr>
+            <a:lvl7pPr marL="2971800" indent="-228600" algn="l" defTabSz="914400" rtl="0" eaLnBrk="1" latinLnBrk="1" hangingPunct="1">
+              <a:spcBef>
+                <a:spcPct val="20000"/>
+              </a:spcBef>
+              <a:buFont typeface="Arial" pitchFamily="34" charset="0"/>
+              <a:buChar char="•"/>
+              <a:defRPr sz="2000" kern="1200">
+                <a:solidFill>
+                  <a:schemeClr val="tx1"/>
+                </a:solidFill>
+                <a:latin typeface="+mn-lt"/>
+                <a:ea typeface="+mn-ea"/>
+                <a:cs typeface="+mn-cs"/>
+              </a:defRPr>
+            </a:lvl7pPr>
+            <a:lvl8pPr marL="3429000" indent="-228600" algn="l" defTabSz="914400" rtl="0" eaLnBrk="1" latinLnBrk="1" hangingPunct="1">
+              <a:spcBef>
+                <a:spcPct val="20000"/>
+              </a:spcBef>
+              <a:buFont typeface="Arial" pitchFamily="34" charset="0"/>
+              <a:buChar char="•"/>
+              <a:defRPr sz="2000" kern="1200">
+                <a:solidFill>
+                  <a:schemeClr val="tx1"/>
+                </a:solidFill>
+                <a:latin typeface="+mn-lt"/>
+                <a:ea typeface="+mn-ea"/>
+                <a:cs typeface="+mn-cs"/>
+              </a:defRPr>
+            </a:lvl8pPr>
+            <a:lvl9pPr marL="3886200" indent="-228600" algn="l" defTabSz="914400" rtl="0" eaLnBrk="1" latinLnBrk="1" hangingPunct="1">
+              <a:spcBef>
+                <a:spcPct val="20000"/>
+              </a:spcBef>
+              <a:buFont typeface="Arial" pitchFamily="34" charset="0"/>
+              <a:buChar char="•"/>
+              <a:defRPr sz="2000" kern="1200">
+                <a:solidFill>
+                  <a:schemeClr val="tx1"/>
+                </a:solidFill>
+                <a:latin typeface="+mn-lt"/>
+                <a:ea typeface="+mn-ea"/>
+                <a:cs typeface="+mn-cs"/>
+              </a:defRPr>
+            </a:lvl9pPr>
+          </a:lstStyle>
+          <a:p>
+            <a:r>
+              <a:rPr lang="en-US" altLang="ko-KR" dirty="0">
+                <a:latin typeface="Arial" pitchFamily="34" charset="0"/>
+                <a:cs typeface="Arial" pitchFamily="34" charset="0"/>
+              </a:rPr>
+              <a:t>The stock market is an excellent domain for applied machine learning.  In order to create a truly advantageous trading system, a strategy developer may also want to take the following aspects into consideration (to name a few).</a:t>
+            </a:r>
+          </a:p>
+          <a:p>
+            <a:pPr marL="285750" indent="-285750">
+              <a:buFont typeface="Arial" panose="020B0604020202020204" pitchFamily="34" charset="0"/>
+              <a:buChar char="•"/>
+            </a:pPr>
+            <a:r>
+              <a:rPr lang="en-US" altLang="ko-KR" dirty="0">
+                <a:latin typeface="Arial" pitchFamily="34" charset="0"/>
+                <a:cs typeface="Arial" pitchFamily="34" charset="0"/>
+              </a:rPr>
+              <a:t>Trading latency</a:t>
+            </a:r>
+          </a:p>
+          <a:p>
+            <a:pPr marL="285750" indent="-285750">
+              <a:buFont typeface="Arial" panose="020B0604020202020204" pitchFamily="34" charset="0"/>
+              <a:buChar char="•"/>
+            </a:pPr>
+            <a:r>
+              <a:rPr lang="en-US" altLang="ko-KR" dirty="0">
+                <a:latin typeface="Arial" pitchFamily="34" charset="0"/>
+                <a:cs typeface="Arial" pitchFamily="34" charset="0"/>
+              </a:rPr>
+              <a:t>Ensemble learning</a:t>
+            </a:r>
+          </a:p>
+          <a:p>
+            <a:pPr marL="285750" indent="-285750">
+              <a:buFont typeface="Arial" panose="020B0604020202020204" pitchFamily="34" charset="0"/>
+              <a:buChar char="•"/>
+            </a:pPr>
+            <a:r>
+              <a:rPr lang="en-US" altLang="ko-KR" dirty="0">
+                <a:latin typeface="Arial" pitchFamily="34" charset="0"/>
+                <a:cs typeface="Arial" pitchFamily="34" charset="0"/>
+              </a:rPr>
+              <a:t>Survivorship bias</a:t>
+            </a:r>
+          </a:p>
+          <a:p>
+            <a:pPr marL="285750" indent="-285750">
+              <a:buFont typeface="Arial" panose="020B0604020202020204" pitchFamily="34" charset="0"/>
+              <a:buChar char="•"/>
+            </a:pPr>
+            <a:r>
+              <a:rPr lang="en-US" altLang="ko-KR" dirty="0">
+                <a:latin typeface="Arial" pitchFamily="34" charset="0"/>
+                <a:cs typeface="Arial" pitchFamily="34" charset="0"/>
+              </a:rPr>
+              <a:t>Non-stationary property of time-series data</a:t>
+            </a:r>
+          </a:p>
+          <a:p>
+            <a:pPr marL="285750" indent="-285750">
+              <a:buFont typeface="Arial" panose="020B0604020202020204" pitchFamily="34" charset="0"/>
+              <a:buChar char="•"/>
+            </a:pPr>
+            <a:r>
+              <a:rPr lang="en-US" altLang="ko-KR" dirty="0">
+                <a:latin typeface="Arial" pitchFamily="34" charset="0"/>
+                <a:cs typeface="Arial" pitchFamily="34" charset="0"/>
+              </a:rPr>
+              <a:t>Event-driven factors</a:t>
+            </a:r>
+          </a:p>
+          <a:p>
+            <a:pPr marL="285750" indent="-285750">
+              <a:buFont typeface="Arial" panose="020B0604020202020204" pitchFamily="34" charset="0"/>
+              <a:buChar char="•"/>
             </a:pPr>
             <a:endParaRPr lang="en-US" altLang="ko-KR" dirty="0">
               <a:latin typeface="Arial" pitchFamily="34" charset="0"/>
@@ -4230,54 +5632,79 @@
             </a:endParaRPr>
           </a:p>
           <a:p>
+            <a:pPr marL="285750" indent="-285750">
+              <a:buFont typeface="Arial" panose="020B0604020202020204" pitchFamily="34" charset="0"/>
+              <a:buChar char="•"/>
+            </a:pPr>
+            <a:endParaRPr lang="en-US" altLang="ko-KR" dirty="0">
+              <a:latin typeface="Arial" pitchFamily="34" charset="0"/>
+              <a:cs typeface="Arial" pitchFamily="34" charset="0"/>
+            </a:endParaRPr>
+          </a:p>
+          <a:p>
             <a:r>
               <a:rPr lang="en-US" altLang="ko-KR" dirty="0">
                 <a:latin typeface="Arial" pitchFamily="34" charset="0"/>
                 <a:cs typeface="Arial" pitchFamily="34" charset="0"/>
               </a:rPr>
-              <a:t>This PowerPoint Template has clean and neutral design that can be adapted to any content and meets various market segments. With this many slides you are able to make a complete PowerPoint Presentation that best suit your needs.</a:t>
-            </a:r>
-          </a:p>
-          <a:p>
+              <a:t>Proposed future projects:</a:t>
+            </a:r>
+          </a:p>
+          <a:p>
+            <a:pPr marL="285750" indent="-285750">
+              <a:buFont typeface="Arial" panose="020B0604020202020204" pitchFamily="34" charset="0"/>
+              <a:buChar char="•"/>
+            </a:pPr>
+            <a:r>
+              <a:rPr lang="en-US" altLang="ko-KR" dirty="0">
+                <a:latin typeface="Arial" pitchFamily="34" charset="0"/>
+                <a:cs typeface="Arial" pitchFamily="34" charset="0"/>
+              </a:rPr>
+              <a:t>Recurrent Network Trader</a:t>
+            </a:r>
+          </a:p>
+          <a:p>
+            <a:pPr marL="285750" indent="-285750">
+              <a:buFont typeface="Arial" panose="020B0604020202020204" pitchFamily="34" charset="0"/>
+              <a:buChar char="•"/>
+            </a:pPr>
+            <a:r>
+              <a:rPr lang="en-US" altLang="ko-KR" dirty="0">
+                <a:latin typeface="Arial" pitchFamily="34" charset="0"/>
+                <a:cs typeface="Arial" pitchFamily="34" charset="0"/>
+              </a:rPr>
+              <a:t>Sentiment Trader</a:t>
+            </a:r>
+          </a:p>
+          <a:p>
+            <a:pPr marL="285750" indent="-285750">
+              <a:buFont typeface="Arial" panose="020B0604020202020204" pitchFamily="34" charset="0"/>
+              <a:buChar char="•"/>
+            </a:pPr>
+            <a:r>
+              <a:rPr lang="en-US" altLang="ko-KR" dirty="0">
+                <a:latin typeface="Arial" pitchFamily="34" charset="0"/>
+                <a:cs typeface="Arial" pitchFamily="34" charset="0"/>
+              </a:rPr>
+              <a:t>Vision-based learning (i.e., satellite imagery)</a:t>
+            </a:r>
+          </a:p>
+          <a:p>
+            <a:pPr marL="285750" indent="-285750">
+              <a:buFont typeface="Arial" panose="020B0604020202020204" pitchFamily="34" charset="0"/>
+              <a:buChar char="•"/>
+            </a:pPr>
             <a:endParaRPr lang="en-US" altLang="ko-KR" dirty="0">
               <a:latin typeface="Arial" pitchFamily="34" charset="0"/>
               <a:cs typeface="Arial" pitchFamily="34" charset="0"/>
             </a:endParaRPr>
           </a:p>
-          <a:p>
-            <a:r>
-              <a:rPr lang="en-US" altLang="ko-KR" dirty="0">
-                <a:latin typeface="Arial" pitchFamily="34" charset="0"/>
-                <a:cs typeface="Arial" pitchFamily="34" charset="0"/>
-              </a:rPr>
-              <a:t>This PowerPoint Template has clean and neutral design that can be adapted to any content and meets various market segments. With this many slides you are able to make a complete PowerPoint Presentation that best suit your needs. </a:t>
-            </a:r>
-          </a:p>
-          <a:p>
-            <a:endParaRPr lang="en-US" altLang="ko-KR" dirty="0">
-              <a:latin typeface="Arial" pitchFamily="34" charset="0"/>
-              <a:cs typeface="Arial" pitchFamily="34" charset="0"/>
-            </a:endParaRPr>
-          </a:p>
-          <a:p>
-            <a:r>
-              <a:rPr lang="en-US" altLang="ko-KR" dirty="0">
-                <a:latin typeface="Arial" pitchFamily="34" charset="0"/>
-                <a:cs typeface="Arial" pitchFamily="34" charset="0"/>
-              </a:rPr>
-              <a:t>This PowerPoint Template has clean and neutral design that can be adapted to any content and meets various market segments.</a:t>
-            </a:r>
-            <a:endParaRPr lang="ko-KR" altLang="en-US" dirty="0">
-              <a:latin typeface="Arial" pitchFamily="34" charset="0"/>
-              <a:cs typeface="Arial" pitchFamily="34" charset="0"/>
-            </a:endParaRPr>
-          </a:p>
         </p:txBody>
       </p:sp>
     </p:spTree>
     <p:extLst>
       <p:ext uri="{BB962C8B-B14F-4D97-AF65-F5344CB8AC3E}">
-        <p14:creationId xmlns:p14="http://schemas.microsoft.com/office/powerpoint/2010/main" val="3659674305"/>
+        <p14:creationId xmlns:p14="http://schemas.microsoft.com/office/powerpoint/2010/main" val="1243754786"/>
       </p:ext>
     </p:extLst>
   </p:cSld>
